--- a/Face Recognition.pptx
+++ b/Face Recognition.pptx
@@ -216,7 +216,7 @@
           <a:p>
             <a:fld id="{0AB1A693-8839-4EED-8F26-3AB8ACBC34F1}" type="datetimeFigureOut">
               <a:rPr lang="en-IN" smtClean="0"/>
-              <a:t>20-03-2018</a:t>
+              <a:t>21-03-2018</a:t>
             </a:fld>
             <a:endParaRPr lang="en-IN"/>
           </a:p>
@@ -1290,7 +1290,7 @@
           <a:p>
             <a:fld id="{E3D0CBC1-01AB-4E24-9E18-6AA869C7C690}" type="datetimeFigureOut">
               <a:rPr lang="en-IN" smtClean="0"/>
-              <a:t>20-03-2018</a:t>
+              <a:t>21-03-2018</a:t>
             </a:fld>
             <a:endParaRPr lang="en-IN"/>
           </a:p>
@@ -1541,7 +1541,7 @@
           <a:p>
             <a:fld id="{E3D0CBC1-01AB-4E24-9E18-6AA869C7C690}" type="datetimeFigureOut">
               <a:rPr lang="en-IN" smtClean="0"/>
-              <a:t>20-03-2018</a:t>
+              <a:t>21-03-2018</a:t>
             </a:fld>
             <a:endParaRPr lang="en-IN"/>
           </a:p>
@@ -1855,7 +1855,7 @@
           <a:p>
             <a:fld id="{E3D0CBC1-01AB-4E24-9E18-6AA869C7C690}" type="datetimeFigureOut">
               <a:rPr lang="en-IN" smtClean="0"/>
-              <a:t>20-03-2018</a:t>
+              <a:t>21-03-2018</a:t>
             </a:fld>
             <a:endParaRPr lang="en-IN"/>
           </a:p>
@@ -2196,7 +2196,7 @@
           <a:p>
             <a:fld id="{E3D0CBC1-01AB-4E24-9E18-6AA869C7C690}" type="datetimeFigureOut">
               <a:rPr lang="en-IN" smtClean="0"/>
-              <a:t>20-03-2018</a:t>
+              <a:t>21-03-2018</a:t>
             </a:fld>
             <a:endParaRPr lang="en-IN"/>
           </a:p>
@@ -2510,7 +2510,7 @@
           <a:p>
             <a:fld id="{E3D0CBC1-01AB-4E24-9E18-6AA869C7C690}" type="datetimeFigureOut">
               <a:rPr lang="en-IN" smtClean="0"/>
-              <a:t>20-03-2018</a:t>
+              <a:t>21-03-2018</a:t>
             </a:fld>
             <a:endParaRPr lang="en-IN"/>
           </a:p>
@@ -2903,7 +2903,7 @@
           <a:p>
             <a:fld id="{E3D0CBC1-01AB-4E24-9E18-6AA869C7C690}" type="datetimeFigureOut">
               <a:rPr lang="en-IN" smtClean="0"/>
-              <a:t>20-03-2018</a:t>
+              <a:t>21-03-2018</a:t>
             </a:fld>
             <a:endParaRPr lang="en-IN"/>
           </a:p>
@@ -3073,7 +3073,7 @@
           <a:p>
             <a:fld id="{E3D0CBC1-01AB-4E24-9E18-6AA869C7C690}" type="datetimeFigureOut">
               <a:rPr lang="en-IN" smtClean="0"/>
-              <a:t>20-03-2018</a:t>
+              <a:t>21-03-2018</a:t>
             </a:fld>
             <a:endParaRPr lang="en-IN"/>
           </a:p>
@@ -3253,7 +3253,7 @@
           <a:p>
             <a:fld id="{E3D0CBC1-01AB-4E24-9E18-6AA869C7C690}" type="datetimeFigureOut">
               <a:rPr lang="en-IN" smtClean="0"/>
-              <a:t>20-03-2018</a:t>
+              <a:t>21-03-2018</a:t>
             </a:fld>
             <a:endParaRPr lang="en-IN"/>
           </a:p>
@@ -3429,7 +3429,7 @@
           <a:p>
             <a:fld id="{E3D0CBC1-01AB-4E24-9E18-6AA869C7C690}" type="datetimeFigureOut">
               <a:rPr lang="en-IN" smtClean="0"/>
-              <a:t>20-03-2018</a:t>
+              <a:t>21-03-2018</a:t>
             </a:fld>
             <a:endParaRPr lang="en-IN"/>
           </a:p>
@@ -3676,7 +3676,7 @@
           <a:p>
             <a:fld id="{E3D0CBC1-01AB-4E24-9E18-6AA869C7C690}" type="datetimeFigureOut">
               <a:rPr lang="en-IN" smtClean="0"/>
-              <a:t>20-03-2018</a:t>
+              <a:t>21-03-2018</a:t>
             </a:fld>
             <a:endParaRPr lang="en-IN"/>
           </a:p>
@@ -3908,7 +3908,7 @@
           <a:p>
             <a:fld id="{E3D0CBC1-01AB-4E24-9E18-6AA869C7C690}" type="datetimeFigureOut">
               <a:rPr lang="en-IN" smtClean="0"/>
-              <a:t>20-03-2018</a:t>
+              <a:t>21-03-2018</a:t>
             </a:fld>
             <a:endParaRPr lang="en-IN"/>
           </a:p>
@@ -4282,7 +4282,7 @@
           <a:p>
             <a:fld id="{E3D0CBC1-01AB-4E24-9E18-6AA869C7C690}" type="datetimeFigureOut">
               <a:rPr lang="en-IN" smtClean="0"/>
-              <a:t>20-03-2018</a:t>
+              <a:t>21-03-2018</a:t>
             </a:fld>
             <a:endParaRPr lang="en-IN"/>
           </a:p>
@@ -4405,7 +4405,7 @@
           <a:p>
             <a:fld id="{E3D0CBC1-01AB-4E24-9E18-6AA869C7C690}" type="datetimeFigureOut">
               <a:rPr lang="en-IN" smtClean="0"/>
-              <a:t>20-03-2018</a:t>
+              <a:t>21-03-2018</a:t>
             </a:fld>
             <a:endParaRPr lang="en-IN"/>
           </a:p>
@@ -4500,7 +4500,7 @@
           <a:p>
             <a:fld id="{E3D0CBC1-01AB-4E24-9E18-6AA869C7C690}" type="datetimeFigureOut">
               <a:rPr lang="en-IN" smtClean="0"/>
-              <a:t>20-03-2018</a:t>
+              <a:t>21-03-2018</a:t>
             </a:fld>
             <a:endParaRPr lang="en-IN"/>
           </a:p>
@@ -4755,7 +4755,7 @@
           <a:p>
             <a:fld id="{E3D0CBC1-01AB-4E24-9E18-6AA869C7C690}" type="datetimeFigureOut">
               <a:rPr lang="en-IN" smtClean="0"/>
-              <a:t>20-03-2018</a:t>
+              <a:t>21-03-2018</a:t>
             </a:fld>
             <a:endParaRPr lang="en-IN"/>
           </a:p>
@@ -5018,7 +5018,7 @@
           <a:p>
             <a:fld id="{E3D0CBC1-01AB-4E24-9E18-6AA869C7C690}" type="datetimeFigureOut">
               <a:rPr lang="en-IN" smtClean="0"/>
-              <a:t>20-03-2018</a:t>
+              <a:t>21-03-2018</a:t>
             </a:fld>
             <a:endParaRPr lang="en-IN"/>
           </a:p>
@@ -5761,7 +5761,7 @@
           <a:p>
             <a:fld id="{E3D0CBC1-01AB-4E24-9E18-6AA869C7C690}" type="datetimeFigureOut">
               <a:rPr lang="en-IN" smtClean="0"/>
-              <a:t>20-03-2018</a:t>
+              <a:t>21-03-2018</a:t>
             </a:fld>
             <a:endParaRPr lang="en-IN"/>
           </a:p>
@@ -13157,7 +13157,7 @@
         </p:nvSpPr>
         <p:spPr>
           <a:xfrm>
-            <a:off x="1408854" y="701040"/>
+            <a:off x="1508760" y="1158240"/>
             <a:ext cx="5622882" cy="661416"/>
           </a:xfrm>
         </p:spPr>
@@ -13191,8 +13191,8 @@
         </p:nvSpPr>
         <p:spPr>
           <a:xfrm>
-            <a:off x="1490472" y="1362456"/>
-            <a:ext cx="7059168" cy="3416320"/>
+            <a:off x="1508760" y="2286000"/>
+            <a:ext cx="7059168" cy="2031325"/>
           </a:xfrm>
           <a:prstGeom prst="rect">
             <a:avLst/>
@@ -13210,56 +13210,40 @@
               <a:t>Matlab</a:t>
             </a:r>
             <a:r>
-              <a:rPr lang="en-IN" b="1" dirty="0" smtClean="0"/>
-              <a:t>: </a:t>
-            </a:r>
-            <a:r>
               <a:rPr lang="en-IN" dirty="0" smtClean="0">
                 <a:latin typeface="Arial" panose="020B0604020202020204" pitchFamily="34" charset="0"/>
                 <a:cs typeface="Arial" panose="020B0604020202020204" pitchFamily="34" charset="0"/>
               </a:rPr>
-              <a:t>In </a:t>
+              <a:t>: </a:t>
             </a:r>
             <a:r>
               <a:rPr lang="en-IN" dirty="0">
                 <a:latin typeface="Arial" panose="020B0604020202020204" pitchFamily="34" charset="0"/>
                 <a:cs typeface="Arial" panose="020B0604020202020204" pitchFamily="34" charset="0"/>
               </a:rPr>
-              <a:t>face detection using MATLAB program can be used to detect a face, eyes and upper </a:t>
+              <a:t>In face detection using MATLAB program can be used to detect a face, eyes and upper body. </a:t>
+            </a:r>
+            <a:r>
+              <a:rPr lang="en-IN" dirty="0" err="1">
+                <a:latin typeface="Arial" panose="020B0604020202020204" pitchFamily="34" charset="0"/>
+                <a:cs typeface="Arial" panose="020B0604020202020204" pitchFamily="34" charset="0"/>
+              </a:rPr>
+              <a:t>Matlab</a:t>
+            </a:r>
+            <a:r>
+              <a:rPr lang="en-IN" dirty="0">
+                <a:latin typeface="Arial" panose="020B0604020202020204" pitchFamily="34" charset="0"/>
+                <a:cs typeface="Arial" panose="020B0604020202020204" pitchFamily="34" charset="0"/>
+              </a:rPr>
+              <a:t> is one of the leading software packages for numerical computation and it mainly deals with Matrices right from scalar to multidimensional matrices</a:t>
             </a:r>
             <a:r>
               <a:rPr lang="en-IN" dirty="0" smtClean="0">
                 <a:latin typeface="Arial" panose="020B0604020202020204" pitchFamily="34" charset="0"/>
                 <a:cs typeface="Arial" panose="020B0604020202020204" pitchFamily="34" charset="0"/>
               </a:rPr>
-              <a:t>body. </a:t>
-            </a:r>
-            <a:r>
-              <a:rPr lang="en-IN" b="1" dirty="0" err="1"/>
-              <a:t>Matlab</a:t>
-            </a:r>
-            <a:r>
-              <a:rPr lang="en-IN" b="1" dirty="0"/>
-              <a:t> is one of the leading software packages for numerical computation and it mainly deals with Matrices right from scalar to multidimensional matrices. </a:t>
-            </a:r>
-            <a:r>
-              <a:rPr lang="en-IN" dirty="0">
-                <a:latin typeface="Arial" panose="020B0604020202020204" pitchFamily="34" charset="0"/>
-                <a:cs typeface="Arial" panose="020B0604020202020204" pitchFamily="34" charset="0"/>
-              </a:rPr>
-              <a:t>Object detection and tracking are important in many computer vision applications, including activity recognition, automotive safety and surveillance. Presented here is an face detection using MATLAB system that can detect not only a human face but also eyes and upper body.</a:t>
-            </a:r>
-            <a:r>
-              <a:rPr lang="en-IN" dirty="0" smtClean="0">
-                <a:latin typeface="Arial" panose="020B0604020202020204" pitchFamily="34" charset="0"/>
-                <a:cs typeface="Arial" panose="020B0604020202020204" pitchFamily="34" charset="0"/>
-              </a:rPr>
-              <a:t> </a:t>
-            </a:r>
-            <a:endParaRPr lang="en-IN" b="1" dirty="0" smtClean="0">
-              <a:latin typeface="Arial" panose="020B0604020202020204" pitchFamily="34" charset="0"/>
-              <a:cs typeface="Arial" panose="020B0604020202020204" pitchFamily="34" charset="0"/>
-            </a:endParaRPr>
+              <a:t>.</a:t>
+            </a:r>
           </a:p>
           <a:p>
             <a:endParaRPr lang="en-IN" dirty="0" smtClean="0"/>
@@ -14632,14 +14616,14 @@
       </p:grpSpPr>
       <p:sp>
         <p:nvSpPr>
-          <p:cNvPr id="5" name="Rectangle 4"/>
+          <p:cNvPr id="6" name="Rectangle 5"/>
           <p:cNvSpPr/>
           <p:nvPr/>
         </p:nvSpPr>
         <p:spPr>
           <a:xfrm>
-            <a:off x="1669428" y="4159864"/>
-            <a:ext cx="7435914" cy="2002056"/>
+            <a:off x="1627692" y="596828"/>
+            <a:ext cx="4086132" cy="523220"/>
           </a:xfrm>
           <a:prstGeom prst="rect">
             <a:avLst/>
@@ -14651,32 +14635,24 @@
           </a:bodyPr>
           <a:lstStyle/>
           <a:p>
-            <a:pPr marL="342900" indent="-342900">
-              <a:buFont typeface="Arial" panose="020B0604020202020204" pitchFamily="34" charset="0"/>
-              <a:buChar char="•"/>
-            </a:pPr>
-            <a:r>
-              <a:rPr lang="en-IN" sz="2000" b="1" dirty="0" smtClean="0"/>
-              <a:t>Define:</a:t>
-            </a:r>
-            <a:r>
-              <a:rPr lang="en-IN" sz="2000" dirty="0" smtClean="0"/>
-              <a:t> Face recognition system is a computer application for automatically identify or verifying a person from a digital image or video frame. In this system automatically searching of faces from the face databases, typically resulting in a group of facial images ranked by computer evaluated similarity.</a:t>
-            </a:r>
-            <a:endParaRPr lang="en-IN" sz="2000" dirty="0"/>
-          </a:p>
-        </p:txBody>
-      </p:sp>
-      <p:sp>
-        <p:nvSpPr>
-          <p:cNvPr id="6" name="Rectangle 5"/>
+            <a:r>
+              <a:rPr lang="en-IN" sz="2800" dirty="0" smtClean="0"/>
+              <a:t>Face Recognition</a:t>
+            </a:r>
+            <a:endParaRPr lang="en-IN" sz="2800" dirty="0"/>
+          </a:p>
+        </p:txBody>
+      </p:sp>
+      <p:sp>
+        <p:nvSpPr>
+          <p:cNvPr id="8" name="Rectangle 7"/>
           <p:cNvSpPr/>
           <p:nvPr/>
         </p:nvSpPr>
         <p:spPr>
           <a:xfrm>
-            <a:off x="1669428" y="276788"/>
-            <a:ext cx="4086132" cy="523220"/>
+            <a:off x="1627692" y="1688855"/>
+            <a:ext cx="6679044" cy="3139321"/>
           </a:xfrm>
           <a:prstGeom prst="rect">
             <a:avLst/>
@@ -14688,44 +14664,33 @@
           </a:bodyPr>
           <a:lstStyle/>
           <a:p>
-            <a:r>
-              <a:rPr lang="en-IN" sz="2800" dirty="0" smtClean="0"/>
-              <a:t>Face Recognition</a:t>
-            </a:r>
-            <a:endParaRPr lang="en-IN" sz="2800" dirty="0"/>
-          </a:p>
-        </p:txBody>
-      </p:sp>
-      <p:sp>
-        <p:nvSpPr>
-          <p:cNvPr id="8" name="Rectangle 7"/>
-          <p:cNvSpPr/>
-          <p:nvPr/>
-        </p:nvSpPr>
-        <p:spPr>
-          <a:xfrm>
-            <a:off x="1669428" y="1048775"/>
-            <a:ext cx="6096000" cy="2862322"/>
-          </a:xfrm>
-          <a:prstGeom prst="rect">
-            <a:avLst/>
-          </a:prstGeom>
-        </p:spPr>
-        <p:txBody>
-          <a:bodyPr>
-            <a:spAutoFit/>
-          </a:bodyPr>
-          <a:lstStyle/>
-          <a:p>
             <a:pPr algn="just"/>
             <a:r>
+              <a:rPr lang="en-IN" b="1" dirty="0">
+                <a:solidFill>
+                  <a:srgbClr val="000000"/>
+                </a:solidFill>
+                <a:latin typeface="Arial" panose="020B0604020202020204" pitchFamily="34" charset="0"/>
+              </a:rPr>
+              <a:t>Deﬁne</a:t>
+            </a:r>
+            <a:r>
               <a:rPr lang="en-IN" dirty="0">
                 <a:solidFill>
                   <a:srgbClr val="000000"/>
                 </a:solidFill>
                 <a:latin typeface="Arial" panose="020B0604020202020204" pitchFamily="34" charset="0"/>
               </a:rPr>
-              <a:t>"Face Recognition" generally involves two stages:</a:t>
+              <a:t>: Face recognition system is a computer application for automatically identify or verifying a person from a digital image or video frame</a:t>
+            </a:r>
+            <a:r>
+              <a:rPr lang="en-IN" dirty="0" smtClean="0">
+                <a:solidFill>
+                  <a:srgbClr val="000000"/>
+                </a:solidFill>
+                <a:latin typeface="Arial" panose="020B0604020202020204" pitchFamily="34" charset="0"/>
+              </a:rPr>
+              <a:t>.</a:t>
             </a:r>
           </a:p>
           <a:p>
@@ -14738,43 +14703,16 @@
             </a:endParaRPr>
           </a:p>
           <a:p>
-            <a:pPr marL="285750" indent="-285750" algn="just">
-              <a:buFont typeface="Wingdings" panose="05000000000000000000" pitchFamily="2" charset="2"/>
-              <a:buChar char="Ø"/>
-            </a:pPr>
-            <a:r>
-              <a:rPr lang="en-IN" b="1" dirty="0" smtClean="0">
+            <a:pPr algn="just"/>
+            <a:r>
+              <a:rPr lang="en-IN" dirty="0">
                 <a:solidFill>
                   <a:srgbClr val="000000"/>
                 </a:solidFill>
                 <a:latin typeface="Arial" panose="020B0604020202020204" pitchFamily="34" charset="0"/>
               </a:rPr>
-              <a:t>Face </a:t>
-            </a:r>
-            <a:r>
-              <a:rPr lang="en-IN" b="1" dirty="0">
-                <a:solidFill>
-                  <a:srgbClr val="000000"/>
-                </a:solidFill>
-                <a:latin typeface="Arial" panose="020B0604020202020204" pitchFamily="34" charset="0"/>
-              </a:rPr>
-              <a:t>Detection</a:t>
-            </a:r>
-            <a:r>
-              <a:rPr lang="en-IN" dirty="0">
-                <a:solidFill>
-                  <a:srgbClr val="000000"/>
-                </a:solidFill>
-                <a:latin typeface="Arial" panose="020B0604020202020204" pitchFamily="34" charset="0"/>
-              </a:rPr>
-              <a:t>, where a photo is searched to find any face (shown here as a green rectangle), then image processing cleans up the facial image for easier recognition.</a:t>
-            </a:r>
-          </a:p>
-          <a:p>
-            <a:pPr algn="just">
-              <a:buFont typeface="+mj-lt"/>
-              <a:buAutoNum type="arabicPeriod"/>
-            </a:pPr>
+              <a:t>”Face Recognition” generally involves two stages: </a:t>
+            </a:r>
             <a:endParaRPr lang="en-IN" dirty="0" smtClean="0">
               <a:solidFill>
                 <a:srgbClr val="000000"/>
@@ -14784,11 +14722,11 @@
           </a:p>
           <a:p>
             <a:pPr marL="285750" indent="-285750" algn="just">
-              <a:buFont typeface="Wingdings" panose="05000000000000000000" pitchFamily="2" charset="2"/>
-              <a:buChar char="Ø"/>
+              <a:buFont typeface="Arial" panose="020B0604020202020204" pitchFamily="34" charset="0"/>
+              <a:buChar char="•"/>
             </a:pPr>
             <a:r>
-              <a:rPr lang="en-IN" b="1" dirty="0" smtClean="0">
+              <a:rPr lang="en-IN" dirty="0" smtClean="0">
                 <a:solidFill>
                   <a:srgbClr val="000000"/>
                 </a:solidFill>
@@ -14797,13 +14735,34 @@
               <a:t>Face </a:t>
             </a:r>
             <a:r>
-              <a:rPr lang="en-IN" b="1" dirty="0">
+              <a:rPr lang="en-IN" dirty="0">
                 <a:solidFill>
                   <a:srgbClr val="000000"/>
                 </a:solidFill>
                 <a:latin typeface="Arial" panose="020B0604020202020204" pitchFamily="34" charset="0"/>
               </a:rPr>
-              <a:t>Recognition</a:t>
+              <a:t>Detection, where a photo is searched to ﬁnd any face, then image processing cleans up the facial image for easier recognition. </a:t>
+            </a:r>
+            <a:endParaRPr lang="en-IN" dirty="0" smtClean="0">
+              <a:solidFill>
+                <a:srgbClr val="000000"/>
+              </a:solidFill>
+              <a:latin typeface="Arial" panose="020B0604020202020204" pitchFamily="34" charset="0"/>
+            </a:endParaRPr>
+          </a:p>
+          <a:p>
+            <a:pPr marL="285750" indent="-285750" algn="just">
+              <a:buFont typeface="Arial" panose="020B0604020202020204" pitchFamily="34" charset="0"/>
+              <a:buChar char="•"/>
+            </a:pPr>
+            <a:r>
+              <a:rPr lang="en-IN" dirty="0" smtClean="0">
+                <a:solidFill>
+                  <a:srgbClr val="000000"/>
+                </a:solidFill>
+                <a:latin typeface="Arial" panose="020B0604020202020204" pitchFamily="34" charset="0"/>
+              </a:rPr>
+              <a:t>Face </a:t>
             </a:r>
             <a:r>
               <a:rPr lang="en-IN" dirty="0">
@@ -14812,8 +14771,14 @@
                 </a:solidFill>
                 <a:latin typeface="Arial" panose="020B0604020202020204" pitchFamily="34" charset="0"/>
               </a:rPr>
-              <a:t>, where that detected and processed face is compared to a database of known faces, to decide who that person is (shown here as red text).</a:t>
-            </a:r>
+              <a:t>Recognition, where that detected and processed face is compared to a database of known faces, to decide who that person is.</a:t>
+            </a:r>
+            <a:endParaRPr lang="en-IN" dirty="0">
+              <a:solidFill>
+                <a:srgbClr val="000000"/>
+              </a:solidFill>
+              <a:latin typeface="Arial" panose="020B0604020202020204" pitchFamily="34" charset="0"/>
+            </a:endParaRPr>
           </a:p>
         </p:txBody>
       </p:sp>
@@ -16270,8 +16235,8 @@
         </p:nvSpPr>
         <p:spPr>
           <a:xfrm>
-            <a:off x="0" y="394847"/>
-            <a:ext cx="12024061" cy="523220"/>
+            <a:off x="1005840" y="330839"/>
+            <a:ext cx="6572825" cy="954107"/>
           </a:xfrm>
           <a:prstGeom prst="rect">
             <a:avLst/>
@@ -16289,7 +16254,14 @@
             </a:r>
             <a:r>
               <a:rPr lang="en-US" sz="2800" dirty="0" smtClean="0"/>
-              <a:t>Analysis(PCA) and Linear </a:t>
+              <a:t>Analysis(PCA) and </a:t>
+            </a:r>
+            <a:endParaRPr lang="en-US" sz="2800" dirty="0" smtClean="0"/>
+          </a:p>
+          <a:p>
+            <a:r>
+              <a:rPr lang="en-US" sz="2800" dirty="0" smtClean="0"/>
+              <a:t>Linear </a:t>
             </a:r>
             <a:r>
               <a:rPr lang="en-US" sz="2800" dirty="0" err="1"/>
@@ -16315,8 +16287,8 @@
         </p:nvSpPr>
         <p:spPr>
           <a:xfrm>
-            <a:off x="786384" y="1219309"/>
-            <a:ext cx="8339327" cy="5632311"/>
+            <a:off x="1005840" y="1868533"/>
+            <a:ext cx="8339327" cy="3785652"/>
           </a:xfrm>
           <a:prstGeom prst="rect">
             <a:avLst/>
@@ -16333,99 +16305,16 @@
               <a:buChar char="•"/>
             </a:pPr>
             <a:r>
-              <a:rPr lang="en-IN" sz="2000" dirty="0" smtClean="0">
-                <a:latin typeface="Arial" panose="020B0604020202020204" pitchFamily="34" charset="0"/>
-                <a:cs typeface="Arial" panose="020B0604020202020204" pitchFamily="34" charset="0"/>
-              </a:rPr>
-              <a:t>PCA also known as Karhunen Lower Transformation is used to reduce the dimensionality. Its main aim is to reduce the data onto lower dimensional space also called as </a:t>
-            </a:r>
-            <a:r>
               <a:rPr lang="en-IN" sz="2000" dirty="0">
                 <a:latin typeface="Arial" panose="020B0604020202020204" pitchFamily="34" charset="0"/>
                 <a:cs typeface="Arial" panose="020B0604020202020204" pitchFamily="34" charset="0"/>
               </a:rPr>
-              <a:t>E</a:t>
-            </a:r>
-            <a:r>
-              <a:rPr lang="en-IN" sz="2000" dirty="0" smtClean="0">
-                <a:latin typeface="Arial" panose="020B0604020202020204" pitchFamily="34" charset="0"/>
-                <a:cs typeface="Arial" panose="020B0604020202020204" pitchFamily="34" charset="0"/>
-              </a:rPr>
-              <a:t>igen space by computing the </a:t>
-            </a:r>
-            <a:r>
-              <a:rPr lang="en-IN" sz="2000" dirty="0">
-                <a:latin typeface="Arial" panose="020B0604020202020204" pitchFamily="34" charset="0"/>
-                <a:cs typeface="Arial" panose="020B0604020202020204" pitchFamily="34" charset="0"/>
-              </a:rPr>
-              <a:t>E</a:t>
-            </a:r>
-            <a:r>
-              <a:rPr lang="en-IN" sz="2000" dirty="0" smtClean="0">
-                <a:latin typeface="Arial" panose="020B0604020202020204" pitchFamily="34" charset="0"/>
-                <a:cs typeface="Arial" panose="020B0604020202020204" pitchFamily="34" charset="0"/>
-              </a:rPr>
-              <a:t>igen values and Eigenvectors of dataset. </a:t>
-            </a:r>
-            <a:r>
-              <a:rPr lang="en-IN" sz="2000" i="1" dirty="0" smtClean="0">
-                <a:latin typeface="Arial" panose="020B0604020202020204" pitchFamily="34" charset="0"/>
-                <a:cs typeface="Arial" panose="020B0604020202020204" pitchFamily="34" charset="0"/>
-              </a:rPr>
-              <a:t>The output of PCA is the input to LDA algorithm. </a:t>
-            </a:r>
-            <a:r>
-              <a:rPr lang="en-IN" sz="2000" dirty="0">
-                <a:latin typeface="Arial" panose="020B0604020202020204" pitchFamily="34" charset="0"/>
-                <a:cs typeface="Arial" panose="020B0604020202020204" pitchFamily="34" charset="0"/>
-              </a:rPr>
-              <a:t>It </a:t>
-            </a:r>
-            <a:r>
-              <a:rPr lang="en-IN" sz="2000" spc="-5" dirty="0">
-                <a:latin typeface="Arial" panose="020B0604020202020204" pitchFamily="34" charset="0"/>
-                <a:cs typeface="Arial" panose="020B0604020202020204" pitchFamily="34" charset="0"/>
-              </a:rPr>
-              <a:t>is based on Eigen value </a:t>
-            </a:r>
-            <a:r>
-              <a:rPr lang="en-IN" sz="2000" spc="-5" dirty="0" smtClean="0">
-                <a:latin typeface="Arial" panose="020B0604020202020204" pitchFamily="34" charset="0"/>
-                <a:cs typeface="Arial" panose="020B0604020202020204" pitchFamily="34" charset="0"/>
-              </a:rPr>
-              <a:t>and Eigen</a:t>
-            </a:r>
-            <a:r>
-              <a:rPr lang="en-IN" sz="2000" spc="55" dirty="0" smtClean="0">
-                <a:latin typeface="Arial" panose="020B0604020202020204" pitchFamily="34" charset="0"/>
-                <a:cs typeface="Arial" panose="020B0604020202020204" pitchFamily="34" charset="0"/>
-              </a:rPr>
-              <a:t>v</a:t>
-            </a:r>
-            <a:r>
-              <a:rPr lang="en-IN" sz="2000" spc="-40" dirty="0" smtClean="0">
-                <a:latin typeface="Arial" panose="020B0604020202020204" pitchFamily="34" charset="0"/>
-                <a:cs typeface="Arial" panose="020B0604020202020204" pitchFamily="34" charset="0"/>
-              </a:rPr>
-              <a:t>ector.</a:t>
-            </a:r>
-            <a:endParaRPr lang="en-IN" sz="2000" i="1" dirty="0" smtClean="0">
+              <a:t>The PCA and LDA algorithms are based on an eﬃcient computation of Eigen values and Eigenvectors. </a:t>
+            </a:r>
+            <a:endParaRPr lang="en-IN" sz="2000" dirty="0" smtClean="0">
               <a:latin typeface="Arial" panose="020B0604020202020204" pitchFamily="34" charset="0"/>
               <a:cs typeface="Arial" panose="020B0604020202020204" pitchFamily="34" charset="0"/>
             </a:endParaRPr>
-          </a:p>
-          <a:p>
-            <a:pPr marL="609600" indent="-609600">
-              <a:buFontTx/>
-              <a:buNone/>
-            </a:pPr>
-            <a:r>
-              <a:rPr lang="en-IN" sz="2000" dirty="0" smtClean="0">
-                <a:latin typeface="Arial" panose="020B0604020202020204" pitchFamily="34" charset="0"/>
-                <a:cs typeface="Arial" panose="020B0604020202020204" pitchFamily="34" charset="0"/>
-              </a:rPr>
-              <a:t>  </a:t>
-            </a:r>
           </a:p>
           <a:p>
             <a:pPr marL="609600" indent="-609600">
@@ -16437,14 +16326,15 @@
                 <a:latin typeface="Arial" panose="020B0604020202020204" pitchFamily="34" charset="0"/>
                 <a:cs typeface="Arial" panose="020B0604020202020204" pitchFamily="34" charset="0"/>
               </a:rPr>
-              <a:t>The LDA computes the scatter matrix within class and scatter matrix between class thus separating the images within class increasing the recognition rate. After calculating the weight matrix Euclidian distance is calculated.  </a:t>
-            </a:r>
-          </a:p>
-          <a:p>
-            <a:pPr marL="609600" indent="-609600">
-              <a:buFontTx/>
-              <a:buNone/>
-            </a:pPr>
+              <a:t>PCA </a:t>
+            </a:r>
+            <a:r>
+              <a:rPr lang="en-IN" sz="2000" dirty="0">
+                <a:latin typeface="Arial" panose="020B0604020202020204" pitchFamily="34" charset="0"/>
+                <a:cs typeface="Arial" panose="020B0604020202020204" pitchFamily="34" charset="0"/>
+              </a:rPr>
+              <a:t>also known as Karhunen Lower Transformation is used to reduce the dimensionality. </a:t>
+            </a:r>
             <a:endParaRPr lang="en-IN" sz="2000" dirty="0" smtClean="0">
               <a:latin typeface="Arial" panose="020B0604020202020204" pitchFamily="34" charset="0"/>
               <a:cs typeface="Arial" panose="020B0604020202020204" pitchFamily="34" charset="0"/>
@@ -16460,21 +16350,69 @@
                 <a:latin typeface="Arial" panose="020B0604020202020204" pitchFamily="34" charset="0"/>
                 <a:cs typeface="Arial" panose="020B0604020202020204" pitchFamily="34" charset="0"/>
               </a:rPr>
-              <a:t>The PCA and LDA algorithms are based on an efficient computation of Eigen values and Eigenvectors. Many methods are used to compute Eigen value and Eigenvectors such as QR method, Gauss-Seidel method, Power method, Jacobi method etc. The Jacobi method is an iterative method to find </a:t>
-            </a:r>
-            <a:r>
-              <a:rPr lang="en-IN" sz="2000" dirty="0" err="1" smtClean="0">
+              <a:t>In </a:t>
+            </a:r>
+            <a:r>
+              <a:rPr lang="en-IN" sz="2000" dirty="0">
                 <a:latin typeface="Arial" panose="020B0604020202020204" pitchFamily="34" charset="0"/>
                 <a:cs typeface="Arial" panose="020B0604020202020204" pitchFamily="34" charset="0"/>
               </a:rPr>
-              <a:t>eigen</a:t>
-            </a:r>
+              <a:t>PCA the main aim is to reduce the data onto lower dimensional space also called as Eigen space by computing the Eigen values and Eigenvectors of dataset. </a:t>
+            </a:r>
+            <a:endParaRPr lang="en-IN" sz="2000" dirty="0" smtClean="0">
+              <a:latin typeface="Arial" panose="020B0604020202020204" pitchFamily="34" charset="0"/>
+              <a:cs typeface="Arial" panose="020B0604020202020204" pitchFamily="34" charset="0"/>
+            </a:endParaRPr>
+          </a:p>
+          <a:p>
+            <a:pPr marL="609600" indent="-609600">
+              <a:buFont typeface="Arial" panose="020B0604020202020204" pitchFamily="34" charset="0"/>
+              <a:buChar char="•"/>
+            </a:pPr>
             <a:r>
               <a:rPr lang="en-IN" sz="2000" dirty="0" smtClean="0">
                 <a:latin typeface="Arial" panose="020B0604020202020204" pitchFamily="34" charset="0"/>
                 <a:cs typeface="Arial" panose="020B0604020202020204" pitchFamily="34" charset="0"/>
               </a:rPr>
-              <a:t> value and eigenvector of symmetric matrix.</a:t>
+              <a:t>The </a:t>
+            </a:r>
+            <a:r>
+              <a:rPr lang="en-IN" sz="2000" dirty="0">
+                <a:latin typeface="Arial" panose="020B0604020202020204" pitchFamily="34" charset="0"/>
+                <a:cs typeface="Arial" panose="020B0604020202020204" pitchFamily="34" charset="0"/>
+              </a:rPr>
+              <a:t>LDA computes the scatter matrix within class and scatter matrix between class thus separating the images within class increasing the recognition rate. </a:t>
+            </a:r>
+            <a:endParaRPr lang="en-IN" sz="2000" dirty="0" smtClean="0">
+              <a:latin typeface="Arial" panose="020B0604020202020204" pitchFamily="34" charset="0"/>
+              <a:cs typeface="Arial" panose="020B0604020202020204" pitchFamily="34" charset="0"/>
+            </a:endParaRPr>
+          </a:p>
+          <a:p>
+            <a:pPr marL="609600" indent="-609600">
+              <a:buFont typeface="Arial" panose="020B0604020202020204" pitchFamily="34" charset="0"/>
+              <a:buChar char="•"/>
+            </a:pPr>
+            <a:r>
+              <a:rPr lang="en-IN" sz="2000" dirty="0" smtClean="0">
+                <a:latin typeface="Arial" panose="020B0604020202020204" pitchFamily="34" charset="0"/>
+                <a:cs typeface="Arial" panose="020B0604020202020204" pitchFamily="34" charset="0"/>
+              </a:rPr>
+              <a:t>The </a:t>
+            </a:r>
+            <a:r>
+              <a:rPr lang="en-IN" sz="2000" dirty="0">
+                <a:latin typeface="Arial" panose="020B0604020202020204" pitchFamily="34" charset="0"/>
+                <a:cs typeface="Arial" panose="020B0604020202020204" pitchFamily="34" charset="0"/>
+              </a:rPr>
+              <a:t>output of PCA is the input to LDA algorithm. It is based on Eigen value and Eigenvector</a:t>
+            </a:r>
+            <a:r>
+              <a:rPr lang="en-IN" sz="2000" dirty="0" smtClean="0">
+                <a:latin typeface="Arial" panose="020B0604020202020204" pitchFamily="34" charset="0"/>
+                <a:cs typeface="Arial" panose="020B0604020202020204" pitchFamily="34" charset="0"/>
+              </a:rPr>
+              <a:t>.</a:t>
             </a:r>
             <a:endParaRPr lang="en-US" sz="2000" dirty="0">
               <a:latin typeface="Arial" panose="020B0604020202020204" pitchFamily="34" charset="0"/>
